--- a/kikaku_0/企画書.pptx
+++ b/kikaku_0/企画書.pptx
@@ -2,13 +2,13 @@
 <file path=ppt/presentation.xml><?xml version="1.0" encoding="utf-8"?>
 <p:presentation xmlns:a="http://schemas.openxmlformats.org/drawingml/2006/main" xmlns:r="http://schemas.openxmlformats.org/officeDocument/2006/relationships" xmlns:p="http://schemas.openxmlformats.org/presentationml/2006/main" saveSubsetFonts="1">
   <p:sldMasterIdLst>
-    <p:sldMasterId id="2147483684" r:id="rId1"/>
+    <p:sldMasterId id="2147483696" r:id="rId1"/>
   </p:sldMasterIdLst>
   <p:sldIdLst>
     <p:sldId id="256" r:id="rId2"/>
     <p:sldId id="257" r:id="rId3"/>
   </p:sldIdLst>
-  <p:sldSz cx="6858000" cy="10439400"/>
+  <p:sldSz cx="6858000" cy="9720263"/>
   <p:notesSz cx="6858000" cy="9144000"/>
   <p:defaultTextStyle>
     <a:defPPr>
@@ -108,7 +108,7 @@
   <p:extLst>
     <p:ext uri="{EFAFB233-063F-42B5-8137-9DF3F51BA10A}">
       <p15:sldGuideLst xmlns:p15="http://schemas.microsoft.com/office/powerpoint/2012/main">
-        <p15:guide id="1" orient="horz" pos="3288" userDrawn="1">
+        <p15:guide id="1" orient="horz" pos="3062" userDrawn="1">
           <p15:clr>
             <a:srgbClr val="A4A3A4"/>
           </p15:clr>
@@ -153,8 +153,8 @@
         </p:nvSpPr>
         <p:spPr>
           <a:xfrm>
-            <a:off x="514350" y="1708486"/>
-            <a:ext cx="5829300" cy="3634458"/>
+            <a:off x="514350" y="1590794"/>
+            <a:ext cx="5829300" cy="3384092"/>
           </a:xfrm>
         </p:spPr>
         <p:txBody>
@@ -185,8 +185,8 @@
         </p:nvSpPr>
         <p:spPr>
           <a:xfrm>
-            <a:off x="857250" y="5483102"/>
-            <a:ext cx="5143500" cy="2520438"/>
+            <a:off x="857250" y="5105389"/>
+            <a:ext cx="5143500" cy="2346813"/>
           </a:xfrm>
         </p:spPr>
         <p:txBody>
@@ -255,7 +255,7 @@
           <a:p>
             <a:fld id="{D0C963A8-F518-45CC-9350-8693E6F58E36}" type="datetimeFigureOut">
               <a:rPr kumimoji="1" lang="ja-JP" altLang="en-US" smtClean="0"/>
-              <a:t>2023/6/28</a:t>
+              <a:t>2023/7/3</a:t>
             </a:fld>
             <a:endParaRPr kumimoji="1" lang="ja-JP" altLang="en-US"/>
           </a:p>
@@ -306,7 +306,7 @@
     </p:spTree>
     <p:extLst>
       <p:ext uri="{BB962C8B-B14F-4D97-AF65-F5344CB8AC3E}">
-        <p14:creationId xmlns:p14="http://schemas.microsoft.com/office/powerpoint/2010/main" val="1985298016"/>
+        <p14:creationId xmlns:p14="http://schemas.microsoft.com/office/powerpoint/2010/main" val="838230877"/>
       </p:ext>
     </p:extLst>
   </p:cSld>
@@ -457,7 +457,7 @@
           <a:p>
             <a:fld id="{D0C963A8-F518-45CC-9350-8693E6F58E36}" type="datetimeFigureOut">
               <a:rPr kumimoji="1" lang="ja-JP" altLang="en-US" smtClean="0"/>
-              <a:t>2023/6/28</a:t>
+              <a:t>2023/7/3</a:t>
             </a:fld>
             <a:endParaRPr kumimoji="1" lang="ja-JP" altLang="en-US"/>
           </a:p>
@@ -508,7 +508,7 @@
     </p:spTree>
     <p:extLst>
       <p:ext uri="{BB962C8B-B14F-4D97-AF65-F5344CB8AC3E}">
-        <p14:creationId xmlns:p14="http://schemas.microsoft.com/office/powerpoint/2010/main" val="752503697"/>
+        <p14:creationId xmlns:p14="http://schemas.microsoft.com/office/powerpoint/2010/main" val="2048038864"/>
       </p:ext>
     </p:extLst>
   </p:cSld>
@@ -547,8 +547,8 @@
         </p:nvSpPr>
         <p:spPr>
           <a:xfrm>
-            <a:off x="4907757" y="555801"/>
-            <a:ext cx="1478756" cy="8846909"/>
+            <a:off x="4907757" y="517514"/>
+            <a:ext cx="1478756" cy="8237474"/>
           </a:xfrm>
         </p:spPr>
         <p:txBody>
@@ -575,8 +575,8 @@
         </p:nvSpPr>
         <p:spPr>
           <a:xfrm>
-            <a:off x="471488" y="555801"/>
-            <a:ext cx="4350544" cy="8846909"/>
+            <a:off x="471488" y="517514"/>
+            <a:ext cx="4350544" cy="8237474"/>
           </a:xfrm>
         </p:spPr>
         <p:txBody>
@@ -669,7 +669,7 @@
           <a:p>
             <a:fld id="{D0C963A8-F518-45CC-9350-8693E6F58E36}" type="datetimeFigureOut">
               <a:rPr kumimoji="1" lang="ja-JP" altLang="en-US" smtClean="0"/>
-              <a:t>2023/6/28</a:t>
+              <a:t>2023/7/3</a:t>
             </a:fld>
             <a:endParaRPr kumimoji="1" lang="ja-JP" altLang="en-US"/>
           </a:p>
@@ -720,7 +720,7 @@
     </p:spTree>
     <p:extLst>
       <p:ext uri="{BB962C8B-B14F-4D97-AF65-F5344CB8AC3E}">
-        <p14:creationId xmlns:p14="http://schemas.microsoft.com/office/powerpoint/2010/main" val="831715126"/>
+        <p14:creationId xmlns:p14="http://schemas.microsoft.com/office/powerpoint/2010/main" val="1859405249"/>
       </p:ext>
     </p:extLst>
   </p:cSld>
@@ -871,7 +871,7 @@
           <a:p>
             <a:fld id="{D0C963A8-F518-45CC-9350-8693E6F58E36}" type="datetimeFigureOut">
               <a:rPr kumimoji="1" lang="ja-JP" altLang="en-US" smtClean="0"/>
-              <a:t>2023/6/28</a:t>
+              <a:t>2023/7/3</a:t>
             </a:fld>
             <a:endParaRPr kumimoji="1" lang="ja-JP" altLang="en-US"/>
           </a:p>
@@ -922,7 +922,7 @@
     </p:spTree>
     <p:extLst>
       <p:ext uri="{BB962C8B-B14F-4D97-AF65-F5344CB8AC3E}">
-        <p14:creationId xmlns:p14="http://schemas.microsoft.com/office/powerpoint/2010/main" val="248493933"/>
+        <p14:creationId xmlns:p14="http://schemas.microsoft.com/office/powerpoint/2010/main" val="2733032367"/>
       </p:ext>
     </p:extLst>
   </p:cSld>
@@ -961,8 +961,8 @@
         </p:nvSpPr>
         <p:spPr>
           <a:xfrm>
-            <a:off x="467916" y="2602603"/>
-            <a:ext cx="5915025" cy="4342500"/>
+            <a:off x="467916" y="2423318"/>
+            <a:ext cx="5915025" cy="4043359"/>
           </a:xfrm>
         </p:spPr>
         <p:txBody>
@@ -993,8 +993,8 @@
         </p:nvSpPr>
         <p:spPr>
           <a:xfrm>
-            <a:off x="467916" y="6986185"/>
-            <a:ext cx="5915025" cy="2283618"/>
+            <a:off x="467916" y="6504929"/>
+            <a:ext cx="5915025" cy="2126307"/>
           </a:xfrm>
         </p:spPr>
         <p:txBody>
@@ -1115,7 +1115,7 @@
           <a:p>
             <a:fld id="{D0C963A8-F518-45CC-9350-8693E6F58E36}" type="datetimeFigureOut">
               <a:rPr kumimoji="1" lang="ja-JP" altLang="en-US" smtClean="0"/>
-              <a:t>2023/6/28</a:t>
+              <a:t>2023/7/3</a:t>
             </a:fld>
             <a:endParaRPr kumimoji="1" lang="ja-JP" altLang="en-US"/>
           </a:p>
@@ -1166,7 +1166,7 @@
     </p:spTree>
     <p:extLst>
       <p:ext uri="{BB962C8B-B14F-4D97-AF65-F5344CB8AC3E}">
-        <p14:creationId xmlns:p14="http://schemas.microsoft.com/office/powerpoint/2010/main" val="264247589"/>
+        <p14:creationId xmlns:p14="http://schemas.microsoft.com/office/powerpoint/2010/main" val="335404433"/>
       </p:ext>
     </p:extLst>
   </p:cSld>
@@ -1228,8 +1228,8 @@
         </p:nvSpPr>
         <p:spPr>
           <a:xfrm>
-            <a:off x="471488" y="2779007"/>
-            <a:ext cx="2914650" cy="6623703"/>
+            <a:off x="471488" y="2587570"/>
+            <a:ext cx="2914650" cy="6167418"/>
           </a:xfrm>
         </p:spPr>
         <p:txBody>
@@ -1317,8 +1317,8 @@
         </p:nvSpPr>
         <p:spPr>
           <a:xfrm>
-            <a:off x="3471863" y="2779007"/>
-            <a:ext cx="2914650" cy="6623703"/>
+            <a:off x="3471863" y="2587570"/>
+            <a:ext cx="2914650" cy="6167418"/>
           </a:xfrm>
         </p:spPr>
         <p:txBody>
@@ -1411,7 +1411,7 @@
           <a:p>
             <a:fld id="{D0C963A8-F518-45CC-9350-8693E6F58E36}" type="datetimeFigureOut">
               <a:rPr kumimoji="1" lang="ja-JP" altLang="en-US" smtClean="0"/>
-              <a:t>2023/6/28</a:t>
+              <a:t>2023/7/3</a:t>
             </a:fld>
             <a:endParaRPr kumimoji="1" lang="ja-JP" altLang="en-US"/>
           </a:p>
@@ -1462,7 +1462,7 @@
     </p:spTree>
     <p:extLst>
       <p:ext uri="{BB962C8B-B14F-4D97-AF65-F5344CB8AC3E}">
-        <p14:creationId xmlns:p14="http://schemas.microsoft.com/office/powerpoint/2010/main" val="2503557931"/>
+        <p14:creationId xmlns:p14="http://schemas.microsoft.com/office/powerpoint/2010/main" val="732631702"/>
       </p:ext>
     </p:extLst>
   </p:cSld>
@@ -1501,8 +1501,8 @@
         </p:nvSpPr>
         <p:spPr>
           <a:xfrm>
-            <a:off x="472381" y="555804"/>
-            <a:ext cx="5915025" cy="2017801"/>
+            <a:off x="472381" y="517516"/>
+            <a:ext cx="5915025" cy="1878802"/>
           </a:xfrm>
         </p:spPr>
         <p:txBody>
@@ -1529,8 +1529,8 @@
         </p:nvSpPr>
         <p:spPr>
           <a:xfrm>
-            <a:off x="472381" y="2559104"/>
-            <a:ext cx="2901255" cy="1254177"/>
+            <a:off x="472381" y="2382815"/>
+            <a:ext cx="2901255" cy="1167781"/>
           </a:xfrm>
         </p:spPr>
         <p:txBody>
@@ -1594,8 +1594,8 @@
         </p:nvSpPr>
         <p:spPr>
           <a:xfrm>
-            <a:off x="472381" y="3813281"/>
-            <a:ext cx="2901255" cy="5608762"/>
+            <a:off x="472381" y="3550596"/>
+            <a:ext cx="2901255" cy="5222392"/>
           </a:xfrm>
         </p:spPr>
         <p:txBody>
@@ -1683,8 +1683,8 @@
         </p:nvSpPr>
         <p:spPr>
           <a:xfrm>
-            <a:off x="3471863" y="2559104"/>
-            <a:ext cx="2915543" cy="1254177"/>
+            <a:off x="3471863" y="2382815"/>
+            <a:ext cx="2915543" cy="1167781"/>
           </a:xfrm>
         </p:spPr>
         <p:txBody>
@@ -1748,8 +1748,8 @@
         </p:nvSpPr>
         <p:spPr>
           <a:xfrm>
-            <a:off x="3471863" y="3813281"/>
-            <a:ext cx="2915543" cy="5608762"/>
+            <a:off x="3471863" y="3550596"/>
+            <a:ext cx="2915543" cy="5222392"/>
           </a:xfrm>
         </p:spPr>
         <p:txBody>
@@ -1842,7 +1842,7 @@
           <a:p>
             <a:fld id="{D0C963A8-F518-45CC-9350-8693E6F58E36}" type="datetimeFigureOut">
               <a:rPr kumimoji="1" lang="ja-JP" altLang="en-US" smtClean="0"/>
-              <a:t>2023/6/28</a:t>
+              <a:t>2023/7/3</a:t>
             </a:fld>
             <a:endParaRPr kumimoji="1" lang="ja-JP" altLang="en-US"/>
           </a:p>
@@ -1893,7 +1893,7 @@
     </p:spTree>
     <p:extLst>
       <p:ext uri="{BB962C8B-B14F-4D97-AF65-F5344CB8AC3E}">
-        <p14:creationId xmlns:p14="http://schemas.microsoft.com/office/powerpoint/2010/main" val="2267509621"/>
+        <p14:creationId xmlns:p14="http://schemas.microsoft.com/office/powerpoint/2010/main" val="3062632836"/>
       </p:ext>
     </p:extLst>
   </p:cSld>
@@ -1960,7 +1960,7 @@
           <a:p>
             <a:fld id="{D0C963A8-F518-45CC-9350-8693E6F58E36}" type="datetimeFigureOut">
               <a:rPr kumimoji="1" lang="ja-JP" altLang="en-US" smtClean="0"/>
-              <a:t>2023/6/28</a:t>
+              <a:t>2023/7/3</a:t>
             </a:fld>
             <a:endParaRPr kumimoji="1" lang="ja-JP" altLang="en-US"/>
           </a:p>
@@ -2011,7 +2011,7 @@
     </p:spTree>
     <p:extLst>
       <p:ext uri="{BB962C8B-B14F-4D97-AF65-F5344CB8AC3E}">
-        <p14:creationId xmlns:p14="http://schemas.microsoft.com/office/powerpoint/2010/main" val="1154568850"/>
+        <p14:creationId xmlns:p14="http://schemas.microsoft.com/office/powerpoint/2010/main" val="3024683261"/>
       </p:ext>
     </p:extLst>
   </p:cSld>
@@ -2055,7 +2055,7 @@
           <a:p>
             <a:fld id="{D0C963A8-F518-45CC-9350-8693E6F58E36}" type="datetimeFigureOut">
               <a:rPr kumimoji="1" lang="ja-JP" altLang="en-US" smtClean="0"/>
-              <a:t>2023/6/28</a:t>
+              <a:t>2023/7/3</a:t>
             </a:fld>
             <a:endParaRPr kumimoji="1" lang="ja-JP" altLang="en-US"/>
           </a:p>
@@ -2106,7 +2106,7 @@
     </p:spTree>
     <p:extLst>
       <p:ext uri="{BB962C8B-B14F-4D97-AF65-F5344CB8AC3E}">
-        <p14:creationId xmlns:p14="http://schemas.microsoft.com/office/powerpoint/2010/main" val="2139346068"/>
+        <p14:creationId xmlns:p14="http://schemas.microsoft.com/office/powerpoint/2010/main" val="1460965051"/>
       </p:ext>
     </p:extLst>
   </p:cSld>
@@ -2145,8 +2145,8 @@
         </p:nvSpPr>
         <p:spPr>
           <a:xfrm>
-            <a:off x="472381" y="695960"/>
-            <a:ext cx="2211884" cy="2435860"/>
+            <a:off x="472381" y="648018"/>
+            <a:ext cx="2211884" cy="2268061"/>
           </a:xfrm>
         </p:spPr>
         <p:txBody>
@@ -2177,8 +2177,8 @@
         </p:nvSpPr>
         <p:spPr>
           <a:xfrm>
-            <a:off x="2915543" y="1503083"/>
-            <a:ext cx="3471863" cy="7418740"/>
+            <a:off x="2915543" y="1399540"/>
+            <a:ext cx="3471863" cy="6907687"/>
           </a:xfrm>
         </p:spPr>
         <p:txBody>
@@ -2294,8 +2294,8 @@
         </p:nvSpPr>
         <p:spPr>
           <a:xfrm>
-            <a:off x="472381" y="3131820"/>
-            <a:ext cx="2211884" cy="5802084"/>
+            <a:off x="472381" y="2916079"/>
+            <a:ext cx="2211884" cy="5402397"/>
           </a:xfrm>
         </p:spPr>
         <p:txBody>
@@ -2364,7 +2364,7 @@
           <a:p>
             <a:fld id="{D0C963A8-F518-45CC-9350-8693E6F58E36}" type="datetimeFigureOut">
               <a:rPr kumimoji="1" lang="ja-JP" altLang="en-US" smtClean="0"/>
-              <a:t>2023/6/28</a:t>
+              <a:t>2023/7/3</a:t>
             </a:fld>
             <a:endParaRPr kumimoji="1" lang="ja-JP" altLang="en-US"/>
           </a:p>
@@ -2415,7 +2415,7 @@
     </p:spTree>
     <p:extLst>
       <p:ext uri="{BB962C8B-B14F-4D97-AF65-F5344CB8AC3E}">
-        <p14:creationId xmlns:p14="http://schemas.microsoft.com/office/powerpoint/2010/main" val="2355059499"/>
+        <p14:creationId xmlns:p14="http://schemas.microsoft.com/office/powerpoint/2010/main" val="678101540"/>
       </p:ext>
     </p:extLst>
   </p:cSld>
@@ -2454,8 +2454,8 @@
         </p:nvSpPr>
         <p:spPr>
           <a:xfrm>
-            <a:off x="472381" y="695960"/>
-            <a:ext cx="2211884" cy="2435860"/>
+            <a:off x="472381" y="648018"/>
+            <a:ext cx="2211884" cy="2268061"/>
           </a:xfrm>
         </p:spPr>
         <p:txBody>
@@ -2486,8 +2486,8 @@
         </p:nvSpPr>
         <p:spPr>
           <a:xfrm>
-            <a:off x="2915543" y="1503083"/>
-            <a:ext cx="3471863" cy="7418740"/>
+            <a:off x="2915543" y="1399540"/>
+            <a:ext cx="3471863" cy="6907687"/>
           </a:xfrm>
         </p:spPr>
         <p:txBody>
@@ -2551,8 +2551,8 @@
         </p:nvSpPr>
         <p:spPr>
           <a:xfrm>
-            <a:off x="472381" y="3131820"/>
-            <a:ext cx="2211884" cy="5802084"/>
+            <a:off x="472381" y="2916079"/>
+            <a:ext cx="2211884" cy="5402397"/>
           </a:xfrm>
         </p:spPr>
         <p:txBody>
@@ -2621,7 +2621,7 @@
           <a:p>
             <a:fld id="{D0C963A8-F518-45CC-9350-8693E6F58E36}" type="datetimeFigureOut">
               <a:rPr kumimoji="1" lang="ja-JP" altLang="en-US" smtClean="0"/>
-              <a:t>2023/6/28</a:t>
+              <a:t>2023/7/3</a:t>
             </a:fld>
             <a:endParaRPr kumimoji="1" lang="ja-JP" altLang="en-US"/>
           </a:p>
@@ -2672,7 +2672,7 @@
     </p:spTree>
     <p:extLst>
       <p:ext uri="{BB962C8B-B14F-4D97-AF65-F5344CB8AC3E}">
-        <p14:creationId xmlns:p14="http://schemas.microsoft.com/office/powerpoint/2010/main" val="4252461920"/>
+        <p14:creationId xmlns:p14="http://schemas.microsoft.com/office/powerpoint/2010/main" val="683623828"/>
       </p:ext>
     </p:extLst>
   </p:cSld>
@@ -2716,8 +2716,8 @@
         </p:nvSpPr>
         <p:spPr>
           <a:xfrm>
-            <a:off x="471488" y="555804"/>
-            <a:ext cx="5915025" cy="2017801"/>
+            <a:off x="471488" y="517516"/>
+            <a:ext cx="5915025" cy="1878802"/>
           </a:xfrm>
           <a:prstGeom prst="rect">
             <a:avLst/>
@@ -2749,8 +2749,8 @@
         </p:nvSpPr>
         <p:spPr>
           <a:xfrm>
-            <a:off x="471488" y="2779007"/>
-            <a:ext cx="5915025" cy="6623703"/>
+            <a:off x="471488" y="2587570"/>
+            <a:ext cx="5915025" cy="6167418"/>
           </a:xfrm>
           <a:prstGeom prst="rect">
             <a:avLst/>
@@ -2843,8 +2843,8 @@
         </p:nvSpPr>
         <p:spPr>
           <a:xfrm>
-            <a:off x="471488" y="9675780"/>
-            <a:ext cx="1543050" cy="555801"/>
+            <a:off x="471488" y="9009246"/>
+            <a:ext cx="1543050" cy="517514"/>
           </a:xfrm>
           <a:prstGeom prst="rect">
             <a:avLst/>
@@ -2866,7 +2866,7 @@
           <a:p>
             <a:fld id="{D0C963A8-F518-45CC-9350-8693E6F58E36}" type="datetimeFigureOut">
               <a:rPr kumimoji="1" lang="ja-JP" altLang="en-US" smtClean="0"/>
-              <a:t>2023/6/28</a:t>
+              <a:t>2023/7/3</a:t>
             </a:fld>
             <a:endParaRPr kumimoji="1" lang="ja-JP" altLang="en-US"/>
           </a:p>
@@ -2884,8 +2884,8 @@
         </p:nvSpPr>
         <p:spPr>
           <a:xfrm>
-            <a:off x="2271713" y="9675780"/>
-            <a:ext cx="2314575" cy="555801"/>
+            <a:off x="2271713" y="9009246"/>
+            <a:ext cx="2314575" cy="517514"/>
           </a:xfrm>
           <a:prstGeom prst="rect">
             <a:avLst/>
@@ -2921,8 +2921,8 @@
         </p:nvSpPr>
         <p:spPr>
           <a:xfrm>
-            <a:off x="4843463" y="9675780"/>
-            <a:ext cx="1543050" cy="555801"/>
+            <a:off x="4843463" y="9009246"/>
+            <a:ext cx="1543050" cy="517514"/>
           </a:xfrm>
           <a:prstGeom prst="rect">
             <a:avLst/>
@@ -2953,23 +2953,23 @@
     </p:spTree>
     <p:extLst>
       <p:ext uri="{BB962C8B-B14F-4D97-AF65-F5344CB8AC3E}">
-        <p14:creationId xmlns:p14="http://schemas.microsoft.com/office/powerpoint/2010/main" val="2937274226"/>
+        <p14:creationId xmlns:p14="http://schemas.microsoft.com/office/powerpoint/2010/main" val="1363897798"/>
       </p:ext>
     </p:extLst>
   </p:cSld>
   <p:clrMap bg1="lt1" tx1="dk1" bg2="lt2" tx2="dk2" accent1="accent1" accent2="accent2" accent3="accent3" accent4="accent4" accent5="accent5" accent6="accent6" hlink="hlink" folHlink="folHlink"/>
   <p:sldLayoutIdLst>
-    <p:sldLayoutId id="2147483685" r:id="rId1"/>
-    <p:sldLayoutId id="2147483686" r:id="rId2"/>
-    <p:sldLayoutId id="2147483687" r:id="rId3"/>
-    <p:sldLayoutId id="2147483688" r:id="rId4"/>
-    <p:sldLayoutId id="2147483689" r:id="rId5"/>
-    <p:sldLayoutId id="2147483690" r:id="rId6"/>
-    <p:sldLayoutId id="2147483691" r:id="rId7"/>
-    <p:sldLayoutId id="2147483692" r:id="rId8"/>
-    <p:sldLayoutId id="2147483693" r:id="rId9"/>
-    <p:sldLayoutId id="2147483694" r:id="rId10"/>
-    <p:sldLayoutId id="2147483695" r:id="rId11"/>
+    <p:sldLayoutId id="2147483697" r:id="rId1"/>
+    <p:sldLayoutId id="2147483698" r:id="rId2"/>
+    <p:sldLayoutId id="2147483699" r:id="rId3"/>
+    <p:sldLayoutId id="2147483700" r:id="rId4"/>
+    <p:sldLayoutId id="2147483701" r:id="rId5"/>
+    <p:sldLayoutId id="2147483702" r:id="rId6"/>
+    <p:sldLayoutId id="2147483703" r:id="rId7"/>
+    <p:sldLayoutId id="2147483704" r:id="rId8"/>
+    <p:sldLayoutId id="2147483705" r:id="rId9"/>
+    <p:sldLayoutId id="2147483706" r:id="rId10"/>
+    <p:sldLayoutId id="2147483707" r:id="rId11"/>
   </p:sldLayoutIdLst>
   <p:txStyles>
     <p:titleStyle>
@@ -3285,7 +3285,7 @@
           </p:cNvPicPr>
           <p:nvPr/>
         </p:nvPicPr>
-        <p:blipFill>
+        <p:blipFill rotWithShape="1">
           <a:blip r:embed="rId2">
             <a:extLst>
               <a:ext uri="{28A0092B-C50C-407E-A947-70E740481C1C}">
@@ -3293,14 +3293,13 @@
               </a:ext>
             </a:extLst>
           </a:blip>
-          <a:stretch>
-            <a:fillRect/>
-          </a:stretch>
+          <a:srcRect b="5910"/>
+          <a:stretch/>
         </p:blipFill>
         <p:spPr>
           <a:xfrm>
-            <a:off x="0" y="0"/>
-            <a:ext cx="6858000" cy="10439400"/>
+            <a:off x="-12734" y="-1"/>
+            <a:ext cx="6870734" cy="9720263"/>
           </a:xfrm>
           <a:prstGeom prst="rect">
             <a:avLst/>
@@ -3321,8 +3320,8 @@
         </p:nvSpPr>
         <p:spPr>
           <a:xfrm>
-            <a:off x="5721564" y="781235"/>
-            <a:ext cx="861774" cy="9274707"/>
+            <a:off x="5550885" y="727418"/>
+            <a:ext cx="815160" cy="8635802"/>
           </a:xfrm>
           <a:prstGeom prst="rect">
             <a:avLst/>
@@ -3336,7 +3335,7 @@
           <a:lstStyle/>
           <a:p>
             <a:r>
-              <a:rPr kumimoji="1" lang="ja-JP" altLang="en-US" sz="4400" dirty="0">
+              <a:rPr kumimoji="1" lang="ja-JP" altLang="en-US" sz="4097" dirty="0">
                 <a:solidFill>
                   <a:srgbClr val="FF0066"/>
                 </a:solidFill>
@@ -3346,7 +3345,7 @@
               <a:t>近未来</a:t>
             </a:r>
             <a:r>
-              <a:rPr kumimoji="1" lang="en-US" altLang="ja-JP" sz="4400" dirty="0">
+              <a:rPr kumimoji="1" lang="en-US" altLang="ja-JP" sz="4097" dirty="0">
                 <a:solidFill>
                   <a:srgbClr val="FF0066"/>
                 </a:solidFill>
@@ -3356,7 +3355,7 @@
               <a:t>×</a:t>
             </a:r>
             <a:r>
-              <a:rPr kumimoji="1" lang="ja-JP" altLang="en-US" sz="4400" dirty="0">
+              <a:rPr kumimoji="1" lang="ja-JP" altLang="en-US" sz="4097" dirty="0">
                 <a:solidFill>
                   <a:srgbClr val="FF0066"/>
                 </a:solidFill>
@@ -3366,7 +3365,7 @@
               <a:t>裏社会</a:t>
             </a:r>
             <a:r>
-              <a:rPr kumimoji="1" lang="en-US" altLang="ja-JP" sz="4400" dirty="0">
+              <a:rPr kumimoji="1" lang="en-US" altLang="ja-JP" sz="4097" dirty="0">
                 <a:solidFill>
                   <a:srgbClr val="FF0066"/>
                 </a:solidFill>
@@ -3376,7 +3375,7 @@
               <a:t>×</a:t>
             </a:r>
             <a:r>
-              <a:rPr kumimoji="1" lang="ja-JP" altLang="en-US" sz="4400" dirty="0">
+              <a:rPr kumimoji="1" lang="ja-JP" altLang="en-US" sz="4097" dirty="0">
                 <a:solidFill>
                   <a:srgbClr val="FF0066"/>
                 </a:solidFill>
@@ -3402,8 +3401,8 @@
         </p:nvSpPr>
         <p:spPr>
           <a:xfrm>
-            <a:off x="4639956" y="1578077"/>
-            <a:ext cx="964431" cy="8244349"/>
+            <a:off x="4654247" y="1469368"/>
+            <a:ext cx="800284" cy="7676422"/>
           </a:xfrm>
           <a:prstGeom prst="rect">
             <a:avLst/>
@@ -3417,7 +3416,7 @@
           <a:lstStyle/>
           <a:p>
             <a:r>
-              <a:rPr kumimoji="1" lang="ja-JP" altLang="en-US" sz="4000" dirty="0">
+              <a:rPr kumimoji="1" lang="ja-JP" altLang="en-US" sz="3724" dirty="0">
                 <a:solidFill>
                   <a:srgbClr val="FF0066"/>
                 </a:solidFill>
@@ -3427,7 +3426,7 @@
               <a:t>舞台は</a:t>
             </a:r>
             <a:r>
-              <a:rPr kumimoji="1" lang="ja-JP" altLang="en-US" sz="4000" dirty="0">
+              <a:rPr kumimoji="1" lang="ja-JP" altLang="en-US" sz="3724" dirty="0">
                 <a:solidFill>
                   <a:srgbClr val="FF0066"/>
                 </a:solidFill>
@@ -3440,7 +3439,7 @@
               <a:t>大発展</a:t>
             </a:r>
             <a:r>
-              <a:rPr kumimoji="1" lang="ja-JP" altLang="en-US" sz="4000" dirty="0">
+              <a:rPr kumimoji="1" lang="ja-JP" altLang="en-US" sz="3724" dirty="0">
                 <a:solidFill>
                   <a:srgbClr val="FF0066"/>
                 </a:solidFill>
@@ -3450,7 +3449,7 @@
               <a:t>した</a:t>
             </a:r>
             <a:r>
-              <a:rPr kumimoji="1" lang="en-US" altLang="ja-JP" sz="4000" dirty="0">
+              <a:rPr kumimoji="1" lang="en-US" altLang="ja-JP" sz="3724" dirty="0">
                 <a:solidFill>
                   <a:srgbClr val="FF0066"/>
                 </a:solidFill>
@@ -3460,7 +3459,7 @@
               <a:t>C</a:t>
             </a:r>
             <a:r>
-              <a:rPr kumimoji="1" lang="ja-JP" altLang="en-US" sz="4000" dirty="0">
+              <a:rPr kumimoji="1" lang="ja-JP" altLang="en-US" sz="3724" dirty="0">
                 <a:solidFill>
                   <a:srgbClr val="FF0066"/>
                 </a:solidFill>
@@ -3486,8 +3485,8 @@
         </p:nvSpPr>
         <p:spPr>
           <a:xfrm>
-            <a:off x="2491454" y="1932039"/>
-            <a:ext cx="2031325" cy="7344696"/>
+            <a:off x="2543450" y="1798947"/>
+            <a:ext cx="1903983" cy="6838743"/>
           </a:xfrm>
           <a:prstGeom prst="rect">
             <a:avLst/>
@@ -3501,7 +3500,7 @@
           <a:lstStyle/>
           <a:p>
             <a:r>
-              <a:rPr kumimoji="1" lang="ja-JP" altLang="en-US" sz="4000" dirty="0">
+              <a:rPr kumimoji="1" lang="ja-JP" altLang="en-US" sz="3724" dirty="0">
                 <a:solidFill>
                   <a:srgbClr val="FF00FF"/>
                 </a:solidFill>
@@ -3526,8 +3525,8 @@
         </p:nvSpPr>
         <p:spPr>
           <a:xfrm>
-            <a:off x="46583" y="383458"/>
-            <a:ext cx="2170209" cy="9672484"/>
+            <a:off x="279588" y="357043"/>
+            <a:ext cx="2020710" cy="9006177"/>
           </a:xfrm>
           <a:prstGeom prst="rect">
             <a:avLst/>
@@ -3544,7 +3543,7 @@
           <a:lstStyle/>
           <a:p>
             <a:r>
-              <a:rPr kumimoji="1" lang="ja-JP" altLang="en-US" sz="5400" dirty="0">
+              <a:rPr kumimoji="1" lang="ja-JP" altLang="en-US" sz="5028" dirty="0">
                 <a:solidFill>
                   <a:srgbClr val="FF0000"/>
                 </a:solidFill>
@@ -3552,7 +3551,7 @@
               </a:rPr>
               <a:t>死にたくないなら</a:t>
             </a:r>
-            <a:endParaRPr kumimoji="1" lang="en-US" altLang="ja-JP" sz="5400" dirty="0">
+            <a:endParaRPr kumimoji="1" lang="en-US" altLang="ja-JP" sz="5028" dirty="0">
               <a:solidFill>
                 <a:srgbClr val="FF0000"/>
               </a:solidFill>
@@ -3561,7 +3560,7 @@
           </a:p>
           <a:p>
             <a:r>
-              <a:rPr kumimoji="1" lang="ja-JP" altLang="en-US" sz="5400" dirty="0">
+              <a:rPr kumimoji="1" lang="ja-JP" altLang="en-US" sz="5028" dirty="0">
                 <a:solidFill>
                   <a:srgbClr val="FF0000"/>
                 </a:solidFill>
@@ -3589,8 +3588,8 @@
         </p:nvSpPr>
         <p:spPr>
           <a:xfrm>
-            <a:off x="486697" y="5914103"/>
-            <a:ext cx="929148" cy="1077218"/>
+            <a:off x="689383" y="5506699"/>
+            <a:ext cx="865142" cy="1003012"/>
           </a:xfrm>
           <a:prstGeom prst="rect">
             <a:avLst/>
@@ -3623,7 +3622,7 @@
           <a:lstStyle/>
           <a:p>
             <a:pPr algn="ctr"/>
-            <a:endParaRPr kumimoji="1" lang="ja-JP" altLang="en-US"/>
+            <a:endParaRPr kumimoji="1" lang="ja-JP" altLang="en-US" sz="1676"/>
           </a:p>
         </p:txBody>
       </p:sp>
@@ -3641,8 +3640,8 @@
         </p:nvSpPr>
         <p:spPr>
           <a:xfrm>
-            <a:off x="486697" y="5870443"/>
-            <a:ext cx="929148" cy="1077218"/>
+            <a:off x="689383" y="5466047"/>
+            <a:ext cx="865142" cy="1009379"/>
           </a:xfrm>
           <a:prstGeom prst="rect">
             <a:avLst/>
@@ -3674,7 +3673,7 @@
           <a:p>
             <a:pPr algn="ctr"/>
             <a:r>
-              <a:rPr kumimoji="1" lang="en-US" altLang="ja-JP" sz="6400" dirty="0">
+              <a:rPr kumimoji="1" lang="en-US" altLang="ja-JP" sz="5959" dirty="0">
                 <a:solidFill>
                   <a:srgbClr val="FF0000"/>
                 </a:solidFill>
@@ -3685,7 +3684,7 @@
               </a:rPr>
               <a:t>!!</a:t>
             </a:r>
-            <a:endParaRPr kumimoji="1" lang="ja-JP" altLang="en-US" sz="6400" dirty="0">
+            <a:endParaRPr kumimoji="1" lang="ja-JP" altLang="en-US" sz="5959" dirty="0">
               <a:solidFill>
                 <a:srgbClr val="FF0000"/>
               </a:solidFill>
@@ -3741,7 +3740,7 @@
           </p:cNvPicPr>
           <p:nvPr/>
         </p:nvPicPr>
-        <p:blipFill>
+        <p:blipFill rotWithShape="1">
           <a:blip r:embed="rId2">
             <a:extLst>
               <a:ext uri="{28A0092B-C50C-407E-A947-70E740481C1C}">
@@ -3749,14 +3748,13 @@
               </a:ext>
             </a:extLst>
           </a:blip>
-          <a:stretch>
-            <a:fillRect/>
-          </a:stretch>
+          <a:srcRect b="5808"/>
+          <a:stretch/>
         </p:blipFill>
         <p:spPr>
           <a:xfrm>
             <a:off x="0" y="0"/>
-            <a:ext cx="6858000" cy="10439400"/>
+            <a:ext cx="6858000" cy="9720263"/>
           </a:xfrm>
           <a:prstGeom prst="rect">
             <a:avLst/>
@@ -3791,8 +3789,8 @@
         </p:blipFill>
         <p:spPr>
           <a:xfrm>
-            <a:off x="311427" y="66739"/>
-            <a:ext cx="1848678" cy="2549900"/>
+            <a:off x="526187" y="62142"/>
+            <a:ext cx="1721328" cy="2374245"/>
           </a:xfrm>
           <a:prstGeom prst="rect">
             <a:avLst/>
@@ -3813,8 +3811,8 @@
         </p:nvSpPr>
         <p:spPr>
           <a:xfrm>
-            <a:off x="2340476" y="304800"/>
-            <a:ext cx="4100082" cy="2062103"/>
+            <a:off x="2415461" y="283803"/>
+            <a:ext cx="3817640" cy="1926681"/>
           </a:xfrm>
           <a:prstGeom prst="rect">
             <a:avLst/>
@@ -3828,7 +3826,7 @@
           <a:lstStyle/>
           <a:p>
             <a:r>
-              <a:rPr kumimoji="1" lang="ja-JP" altLang="en-US" sz="3200" dirty="0">
+              <a:rPr kumimoji="1" lang="ja-JP" altLang="en-US" sz="2980" dirty="0">
                 <a:solidFill>
                   <a:schemeClr val="accent1"/>
                 </a:solidFill>
@@ -3839,7 +3837,7 @@
               </a:rPr>
               <a:t>貴方（主人公）</a:t>
             </a:r>
-            <a:endParaRPr kumimoji="1" lang="en-US" altLang="ja-JP" sz="3200" dirty="0">
+            <a:endParaRPr kumimoji="1" lang="en-US" altLang="ja-JP" sz="2980" dirty="0">
               <a:solidFill>
                 <a:schemeClr val="accent1"/>
               </a:solidFill>
@@ -3851,7 +3849,7 @@
           </a:p>
           <a:p>
             <a:r>
-              <a:rPr kumimoji="1" lang="ja-JP" altLang="en-US" sz="3200" dirty="0">
+              <a:rPr kumimoji="1" lang="ja-JP" altLang="en-US" sz="2980" dirty="0">
                 <a:solidFill>
                   <a:srgbClr val="FFFF00"/>
                 </a:solidFill>
@@ -3890,8 +3888,8 @@
         </p:blipFill>
         <p:spPr>
           <a:xfrm>
-            <a:off x="161510" y="2859344"/>
-            <a:ext cx="2017455" cy="2017455"/>
+            <a:off x="386598" y="2662373"/>
+            <a:ext cx="1878479" cy="1878479"/>
           </a:xfrm>
           <a:prstGeom prst="rect">
             <a:avLst/>
@@ -3912,8 +3910,8 @@
         </p:nvSpPr>
         <p:spPr>
           <a:xfrm>
-            <a:off x="2597426" y="2696152"/>
-            <a:ext cx="3843131" cy="369332"/>
+            <a:off x="2654711" y="2510422"/>
+            <a:ext cx="3578390" cy="350224"/>
           </a:xfrm>
           <a:prstGeom prst="rect">
             <a:avLst/>
@@ -3926,7 +3924,7 @@
           </a:bodyPr>
           <a:lstStyle/>
           <a:p>
-            <a:endParaRPr kumimoji="1" lang="ja-JP" altLang="en-US" dirty="0"/>
+            <a:endParaRPr kumimoji="1" lang="ja-JP" altLang="en-US" sz="1676" dirty="0"/>
           </a:p>
         </p:txBody>
       </p:sp>
@@ -3944,8 +3942,8 @@
         </p:nvSpPr>
         <p:spPr>
           <a:xfrm>
-            <a:off x="2478157" y="2597426"/>
-            <a:ext cx="3750365" cy="1569660"/>
+            <a:off x="2543658" y="2418497"/>
+            <a:ext cx="3492014" cy="1468094"/>
           </a:xfrm>
           <a:prstGeom prst="rect">
             <a:avLst/>
@@ -3959,7 +3957,7 @@
           <a:lstStyle/>
           <a:p>
             <a:r>
-              <a:rPr kumimoji="1" lang="ja-JP" altLang="en-US" sz="3200" dirty="0">
+              <a:rPr kumimoji="1" lang="ja-JP" altLang="en-US" sz="2980" dirty="0">
                 <a:highlight>
                   <a:srgbClr val="FFFF00"/>
                 </a:highlight>
@@ -3967,7 +3965,7 @@
               </a:rPr>
               <a:t>？？？（謎の男）</a:t>
             </a:r>
-            <a:endParaRPr kumimoji="1" lang="en-US" altLang="ja-JP" sz="3200" dirty="0">
+            <a:endParaRPr kumimoji="1" lang="en-US" altLang="ja-JP" sz="2980" dirty="0">
               <a:highlight>
                 <a:srgbClr val="FFFF00"/>
               </a:highlight>
@@ -3976,7 +3974,7 @@
           </a:p>
           <a:p>
             <a:r>
-              <a:rPr kumimoji="1" lang="ja-JP" altLang="en-US" sz="3200" dirty="0">
+              <a:rPr kumimoji="1" lang="ja-JP" altLang="en-US" sz="2980" dirty="0">
                 <a:solidFill>
                   <a:srgbClr val="FF0000"/>
                 </a:solidFill>
@@ -4001,8 +3999,8 @@
         </p:nvSpPr>
         <p:spPr>
           <a:xfrm>
-            <a:off x="609600" y="5512904"/>
-            <a:ext cx="3935896" cy="1077218"/>
+            <a:off x="803820" y="5133138"/>
+            <a:ext cx="3664764" cy="1009507"/>
           </a:xfrm>
           <a:prstGeom prst="rect">
             <a:avLst/>
@@ -4016,7 +4014,7 @@
           <a:lstStyle/>
           <a:p>
             <a:r>
-              <a:rPr kumimoji="1" lang="ja-JP" altLang="en-US" sz="3200" dirty="0">
+              <a:rPr kumimoji="1" lang="ja-JP" altLang="en-US" sz="2980" dirty="0">
                 <a:solidFill>
                   <a:srgbClr val="FFFF00"/>
                 </a:solidFill>
@@ -4025,7 +4023,7 @@
               <a:t>仲間と共に現れる敵を</a:t>
             </a:r>
             <a:r>
-              <a:rPr kumimoji="1" lang="ja-JP" altLang="en-US" sz="3200" dirty="0">
+              <a:rPr kumimoji="1" lang="ja-JP" altLang="en-US" sz="2980" dirty="0">
                 <a:solidFill>
                   <a:srgbClr val="FF0000"/>
                 </a:solidFill>
@@ -4037,7 +4035,7 @@
               <a:t>ぶっ殺せ</a:t>
             </a:r>
             <a:r>
-              <a:rPr kumimoji="1" lang="en-US" altLang="ja-JP" sz="3200" dirty="0">
+              <a:rPr kumimoji="1" lang="en-US" altLang="ja-JP" sz="2980" dirty="0">
                 <a:solidFill>
                   <a:srgbClr val="FF0000"/>
                 </a:solidFill>
@@ -4048,7 +4046,7 @@
               </a:rPr>
               <a:t>!!!</a:t>
             </a:r>
-            <a:endParaRPr kumimoji="1" lang="ja-JP" altLang="en-US" sz="3200" dirty="0">
+            <a:endParaRPr kumimoji="1" lang="ja-JP" altLang="en-US" sz="2980" dirty="0">
               <a:solidFill>
                 <a:srgbClr val="FF0000"/>
               </a:solidFill>
@@ -4074,8 +4072,8 @@
         </p:nvSpPr>
         <p:spPr>
           <a:xfrm>
-            <a:off x="2178965" y="6792115"/>
-            <a:ext cx="3935896" cy="1077218"/>
+            <a:off x="2265076" y="6324227"/>
+            <a:ext cx="3664764" cy="1468094"/>
           </a:xfrm>
           <a:prstGeom prst="rect">
             <a:avLst/>
@@ -4089,7 +4087,7 @@
           <a:lstStyle/>
           <a:p>
             <a:r>
-              <a:rPr kumimoji="1" lang="en-US" altLang="ja-JP" sz="3200" dirty="0">
+              <a:rPr kumimoji="1" lang="en-US" altLang="ja-JP" sz="2980" dirty="0">
                 <a:solidFill>
                   <a:srgbClr val="FF0000"/>
                 </a:solidFill>
@@ -4098,36 +4096,63 @@
               <a:t>???｢</a:t>
             </a:r>
             <a:r>
-              <a:rPr kumimoji="1" lang="ja-JP" altLang="en-US" sz="3200" dirty="0">
+              <a:rPr kumimoji="1" lang="ja-JP" altLang="en-US" sz="2980" dirty="0">
                 <a:solidFill>
                   <a:srgbClr val="FF0000"/>
                 </a:solidFill>
                 <a:latin typeface="02うつくし明朝体" panose="02000600000000000000" pitchFamily="50" charset="-128"/>
               </a:rPr>
-              <a:t>自分と仲間を守りたいなら</a:t>
-            </a:r>
-            <a:r>
-              <a:rPr kumimoji="1" lang="ja-JP" altLang="en-US" sz="3200" dirty="0">
-                <a:solidFill>
-                  <a:srgbClr val="FFFF00"/>
-                </a:solidFill>
-                <a:highlight>
-                  <a:srgbClr val="000000"/>
-                </a:highlight>
-                <a:latin typeface="02うつくし明朝体" panose="02000600000000000000" pitchFamily="50" charset="-128"/>
-              </a:rPr>
-              <a:t>殺せ</a:t>
-            </a:r>
-            <a:r>
-              <a:rPr kumimoji="1" lang="en-US" altLang="ja-JP" sz="3200" dirty="0">
+              <a:t>指示されたから殺す</a:t>
+            </a:r>
+            <a:r>
+              <a:rPr kumimoji="1" lang="en-US" altLang="ja-JP" sz="2980" dirty="0">
                 <a:solidFill>
                   <a:srgbClr val="FF0000"/>
                 </a:solidFill>
                 <a:latin typeface="02うつくし明朝体" panose="02000600000000000000" pitchFamily="50" charset="-128"/>
               </a:rPr>
-              <a:t>…｣</a:t>
-            </a:r>
-            <a:endParaRPr kumimoji="1" lang="ja-JP" altLang="en-US" sz="3200" dirty="0">
+              <a:t>…</a:t>
+            </a:r>
+            <a:r>
+              <a:rPr kumimoji="1" lang="ja-JP" altLang="en-US" sz="2980" dirty="0">
+                <a:solidFill>
+                  <a:srgbClr val="FF0000"/>
+                </a:solidFill>
+                <a:latin typeface="02うつくし明朝体" panose="02000600000000000000" pitchFamily="50" charset="-128"/>
+              </a:rPr>
+              <a:t>まるで</a:t>
+            </a:r>
+            <a:r>
+              <a:rPr kumimoji="1" lang="ja-JP" altLang="en-US" sz="2980" dirty="0">
+                <a:solidFill>
+                  <a:schemeClr val="accent4">
+                    <a:lumMod val="60000"/>
+                    <a:lumOff val="40000"/>
+                  </a:schemeClr>
+                </a:solidFill>
+                <a:latin typeface="02うつくし明朝体" panose="02000600000000000000" pitchFamily="50" charset="-128"/>
+              </a:rPr>
+              <a:t>マリオネット</a:t>
+            </a:r>
+            <a:r>
+              <a:rPr kumimoji="1" lang="ja-JP" altLang="en-US" sz="2980" dirty="0">
+                <a:solidFill>
+                  <a:srgbClr val="FF0000"/>
+                </a:solidFill>
+                <a:latin typeface="02うつくし明朝体" panose="02000600000000000000" pitchFamily="50" charset="-128"/>
+              </a:rPr>
+              <a:t>だな</a:t>
+            </a:r>
+            <a:r>
+              <a:rPr kumimoji="1" lang="en-US" altLang="ja-JP" sz="2980" dirty="0">
+                <a:solidFill>
+                  <a:srgbClr val="FF0000"/>
+                </a:solidFill>
+                <a:latin typeface="02うつくし明朝体" panose="02000600000000000000" pitchFamily="50" charset="-128"/>
+              </a:rPr>
+              <a:t>｣</a:t>
+            </a:r>
+            <a:endParaRPr kumimoji="1" lang="ja-JP" altLang="en-US" sz="2980" dirty="0">
               <a:solidFill>
                 <a:srgbClr val="FF0000"/>
               </a:solidFill>
@@ -4164,8 +4189,8 @@
         </p:blipFill>
         <p:spPr>
           <a:xfrm>
-            <a:off x="4814723" y="4839000"/>
-            <a:ext cx="1300138" cy="2017455"/>
+            <a:off x="4719265" y="4505657"/>
+            <a:ext cx="1210576" cy="1878479"/>
           </a:xfrm>
           <a:prstGeom prst="rect">
             <a:avLst/>
@@ -4200,8 +4225,8 @@
         </p:blipFill>
         <p:spPr>
           <a:xfrm>
-            <a:off x="311427" y="7021768"/>
-            <a:ext cx="1428750" cy="1428750"/>
+            <a:off x="526187" y="6538060"/>
+            <a:ext cx="1330328" cy="1330328"/>
           </a:xfrm>
           <a:prstGeom prst="rect">
             <a:avLst/>
@@ -4222,8 +4247,8 @@
         </p:nvSpPr>
         <p:spPr>
           <a:xfrm>
-            <a:off x="1740177" y="8189843"/>
-            <a:ext cx="4581110" cy="1077218"/>
+            <a:off x="1325836" y="8062421"/>
+            <a:ext cx="4265532" cy="1009507"/>
           </a:xfrm>
           <a:prstGeom prst="rect">
             <a:avLst/>
@@ -4237,7 +4262,7 @@
           <a:lstStyle/>
           <a:p>
             <a:r>
-              <a:rPr kumimoji="1" lang="ja-JP" altLang="en-US" sz="3200" dirty="0">
+              <a:rPr kumimoji="1" lang="ja-JP" altLang="en-US" sz="2980" dirty="0">
                 <a:solidFill>
                   <a:srgbClr val="FFFF00"/>
                 </a:solidFill>
@@ -4246,7 +4271,7 @@
               <a:t>殺される前に殺す</a:t>
             </a:r>
             <a:r>
-              <a:rPr kumimoji="1" lang="en-US" altLang="ja-JP" sz="3200" dirty="0">
+              <a:rPr kumimoji="1" lang="en-US" altLang="ja-JP" sz="2980" dirty="0">
                 <a:solidFill>
                   <a:srgbClr val="FFFF00"/>
                 </a:solidFill>
@@ -4257,7 +4282,7 @@
           </a:p>
           <a:p>
             <a:r>
-              <a:rPr kumimoji="1" lang="ja-JP" altLang="en-US" sz="3200" dirty="0">
+              <a:rPr kumimoji="1" lang="ja-JP" altLang="en-US" sz="2980" dirty="0">
                 <a:solidFill>
                   <a:srgbClr val="FFFF00"/>
                 </a:solidFill>
@@ -4266,7 +4291,7 @@
               <a:t>ルールは</a:t>
             </a:r>
             <a:r>
-              <a:rPr kumimoji="1" lang="ja-JP" altLang="en-US" sz="3200" dirty="0" err="1">
+              <a:rPr kumimoji="1" lang="ja-JP" altLang="en-US" sz="2980" dirty="0" err="1">
                 <a:solidFill>
                   <a:srgbClr val="FFFF00"/>
                 </a:solidFill>
@@ -4275,7 +4300,7 @@
               <a:t>そんだけだ</a:t>
             </a:r>
             <a:r>
-              <a:rPr kumimoji="1" lang="en-US" altLang="ja-JP" sz="3200" dirty="0">
+              <a:rPr kumimoji="1" lang="en-US" altLang="ja-JP" sz="2980" dirty="0">
                 <a:solidFill>
                   <a:srgbClr val="FFFF00"/>
                 </a:solidFill>
@@ -4284,7 +4309,7 @@
               <a:t>!</a:t>
             </a:r>
             <a:r>
-              <a:rPr kumimoji="1" lang="ja-JP" altLang="en-US" sz="3200">
+              <a:rPr kumimoji="1" lang="ja-JP" altLang="en-US" sz="2980" dirty="0">
                 <a:solidFill>
                   <a:srgbClr val="FFFF00"/>
                 </a:solidFill>
